--- a/认证技术调研.pptx
+++ b/认证技术调研.pptx
@@ -5112,12 +5112,41 @@
             <p:ph type="body" sz="quarter" idx="14"/>
           </p:nvPr>
         </p:nvSpPr>
-        <p:spPr/>
+        <p:spPr>
+          <a:xfrm>
+            <a:off x="4722079" y="2092169"/>
+            <a:ext cx="3983009" cy="2673661"/>
+          </a:xfrm>
+        </p:spPr>
         <p:txBody>
           <a:bodyPr/>
           <a:lstStyle/>
           <a:p>
-            <a:endParaRPr lang="zh-CN" altLang="en-US"/>
+            <a:r>
+              <a:rPr lang="zh-CN" altLang="en-US" dirty="0"/>
+              <a:t>信息认证</a:t>
+            </a:r>
+            <a:endParaRPr lang="en-US" altLang="zh-CN" dirty="0"/>
+          </a:p>
+          <a:p>
+            <a:r>
+              <a:rPr lang="zh-CN" altLang="en-US" dirty="0"/>
+              <a:t>身份认证</a:t>
+            </a:r>
+            <a:endParaRPr lang="en-US" altLang="zh-CN" dirty="0"/>
+          </a:p>
+          <a:p>
+            <a:r>
+              <a:rPr lang="zh-CN" altLang="en-US" dirty="0"/>
+              <a:t>计算认证</a:t>
+            </a:r>
+            <a:endParaRPr lang="en-US" altLang="zh-CN" dirty="0"/>
+          </a:p>
+          <a:p>
+            <a:r>
+              <a:rPr lang="zh-CN" altLang="en-US" dirty="0"/>
+              <a:t>认证技术在区块链中的应用</a:t>
+            </a:r>
           </a:p>
         </p:txBody>
       </p:sp>

--- a/认证技术调研.pptx
+++ b/认证技术调研.pptx
@@ -5,20 +5,24 @@
     <p:sldMasterId id="2147483648" r:id="rId1"/>
   </p:sldMasterIdLst>
   <p:notesMasterIdLst>
-    <p:notesMasterId r:id="rId5"/>
+    <p:notesMasterId r:id="rId9"/>
   </p:notesMasterIdLst>
   <p:handoutMasterIdLst>
-    <p:handoutMasterId r:id="rId6"/>
+    <p:handoutMasterId r:id="rId10"/>
   </p:handoutMasterIdLst>
   <p:sldIdLst>
     <p:sldId id="256" r:id="rId2"/>
     <p:sldId id="258" r:id="rId3"/>
-    <p:sldId id="257" r:id="rId4"/>
+    <p:sldId id="259" r:id="rId4"/>
+    <p:sldId id="260" r:id="rId5"/>
+    <p:sldId id="261" r:id="rId6"/>
+    <p:sldId id="262" r:id="rId7"/>
+    <p:sldId id="257" r:id="rId8"/>
   </p:sldIdLst>
   <p:sldSz cx="9144000" cy="6858000" type="screen4x3"/>
   <p:notesSz cx="6858000" cy="9144000"/>
   <p:custDataLst>
-    <p:tags r:id="rId7"/>
+    <p:tags r:id="rId11"/>
   </p:custDataLst>
   <p:defaultTextStyle>
     <a:defPPr>
@@ -5164,6 +5168,609 @@
 </file>
 
 <file path=ppt/slides/slide3.xml><?xml version="1.0" encoding="utf-8"?>
+<p:sld xmlns:a="http://schemas.openxmlformats.org/drawingml/2006/main" xmlns:r="http://schemas.openxmlformats.org/officeDocument/2006/relationships" xmlns:p="http://schemas.openxmlformats.org/presentationml/2006/main">
+  <p:cSld>
+    <p:spTree>
+      <p:nvGrpSpPr>
+        <p:cNvPr id="1" name=""/>
+        <p:cNvGrpSpPr/>
+        <p:nvPr/>
+      </p:nvGrpSpPr>
+      <p:grpSpPr>
+        <a:xfrm>
+          <a:off x="0" y="0"/>
+          <a:ext cx="0" cy="0"/>
+          <a:chOff x="0" y="0"/>
+          <a:chExt cx="0" cy="0"/>
+        </a:xfrm>
+      </p:grpSpPr>
+      <p:sp>
+        <p:nvSpPr>
+          <p:cNvPr id="2" name="文本占位符 1">
+            <a:extLst>
+              <a:ext uri="{FF2B5EF4-FFF2-40B4-BE49-F238E27FC236}">
+                <a16:creationId xmlns:a16="http://schemas.microsoft.com/office/drawing/2014/main" id="{2CEDE967-1C7C-475D-8ED2-E8209E67BCC7}"/>
+              </a:ext>
+            </a:extLst>
+          </p:cNvPr>
+          <p:cNvSpPr>
+            <a:spLocks noGrp="1"/>
+          </p:cNvSpPr>
+          <p:nvPr>
+            <p:ph type="body" sz="quarter" idx="11"/>
+          </p:nvPr>
+        </p:nvSpPr>
+        <p:spPr/>
+        <p:txBody>
+          <a:bodyPr/>
+          <a:lstStyle/>
+          <a:p>
+            <a:r>
+              <a:rPr lang="zh-CN" altLang="en-US" dirty="0"/>
+              <a:t>消息认证</a:t>
+            </a:r>
+          </a:p>
+        </p:txBody>
+      </p:sp>
+      <p:sp>
+        <p:nvSpPr>
+          <p:cNvPr id="3" name="文本占位符 2">
+            <a:extLst>
+              <a:ext uri="{FF2B5EF4-FFF2-40B4-BE49-F238E27FC236}">
+                <a16:creationId xmlns:a16="http://schemas.microsoft.com/office/drawing/2014/main" id="{9D1CA2AB-D38F-4F77-AB77-67E1309C96FC}"/>
+              </a:ext>
+            </a:extLst>
+          </p:cNvPr>
+          <p:cNvSpPr>
+            <a:spLocks noGrp="1"/>
+          </p:cNvSpPr>
+          <p:nvPr>
+            <p:ph type="body" sz="quarter" idx="12"/>
+          </p:nvPr>
+        </p:nvSpPr>
+        <p:spPr/>
+        <p:txBody>
+          <a:bodyPr/>
+          <a:lstStyle/>
+          <a:p>
+            <a:endParaRPr lang="zh-CN" altLang="en-US"/>
+          </a:p>
+        </p:txBody>
+      </p:sp>
+      <p:sp>
+        <p:nvSpPr>
+          <p:cNvPr id="4" name="文本占位符 3">
+            <a:extLst>
+              <a:ext uri="{FF2B5EF4-FFF2-40B4-BE49-F238E27FC236}">
+                <a16:creationId xmlns:a16="http://schemas.microsoft.com/office/drawing/2014/main" id="{FD764F14-67C2-4E74-8074-1D47AF6E38A5}"/>
+              </a:ext>
+            </a:extLst>
+          </p:cNvPr>
+          <p:cNvSpPr>
+            <a:spLocks noGrp="1"/>
+          </p:cNvSpPr>
+          <p:nvPr>
+            <p:ph type="body" sz="quarter" idx="13"/>
+          </p:nvPr>
+        </p:nvSpPr>
+        <p:spPr/>
+        <p:txBody>
+          <a:bodyPr/>
+          <a:lstStyle/>
+          <a:p>
+            <a:endParaRPr lang="zh-CN" altLang="en-US"/>
+          </a:p>
+        </p:txBody>
+      </p:sp>
+      <p:sp>
+        <p:nvSpPr>
+          <p:cNvPr id="5" name="文本占位符 4">
+            <a:extLst>
+              <a:ext uri="{FF2B5EF4-FFF2-40B4-BE49-F238E27FC236}">
+                <a16:creationId xmlns:a16="http://schemas.microsoft.com/office/drawing/2014/main" id="{EB9B167D-FB2B-4B38-81FF-55DFC8D15943}"/>
+              </a:ext>
+            </a:extLst>
+          </p:cNvPr>
+          <p:cNvSpPr>
+            <a:spLocks noGrp="1"/>
+          </p:cNvSpPr>
+          <p:nvPr>
+            <p:ph type="body" sz="quarter" idx="14"/>
+          </p:nvPr>
+        </p:nvSpPr>
+        <p:spPr/>
+        <p:txBody>
+          <a:bodyPr/>
+          <a:lstStyle/>
+          <a:p>
+            <a:r>
+              <a:rPr lang="en-US" altLang="zh-CN" dirty="0"/>
+              <a:t>MAC</a:t>
+            </a:r>
+          </a:p>
+          <a:p>
+            <a:r>
+              <a:rPr lang="zh-CN" altLang="en-US" dirty="0"/>
+              <a:t>数字签名</a:t>
+            </a:r>
+            <a:endParaRPr lang="en-US" altLang="zh-CN" dirty="0"/>
+          </a:p>
+          <a:p>
+            <a:r>
+              <a:rPr lang="zh-CN" altLang="en-US" dirty="0"/>
+              <a:t>“真伪”认证</a:t>
+            </a:r>
+          </a:p>
+        </p:txBody>
+      </p:sp>
+    </p:spTree>
+    <p:extLst>
+      <p:ext uri="{BB962C8B-B14F-4D97-AF65-F5344CB8AC3E}">
+        <p14:creationId xmlns:p14="http://schemas.microsoft.com/office/powerpoint/2010/main" val="3241750730"/>
+      </p:ext>
+    </p:extLst>
+  </p:cSld>
+  <p:clrMapOvr>
+    <a:masterClrMapping/>
+  </p:clrMapOvr>
+</p:sld>
+</file>
+
+<file path=ppt/slides/slide4.xml><?xml version="1.0" encoding="utf-8"?>
+<p:sld xmlns:a="http://schemas.openxmlformats.org/drawingml/2006/main" xmlns:r="http://schemas.openxmlformats.org/officeDocument/2006/relationships" xmlns:p="http://schemas.openxmlformats.org/presentationml/2006/main">
+  <p:cSld>
+    <p:spTree>
+      <p:nvGrpSpPr>
+        <p:cNvPr id="1" name=""/>
+        <p:cNvGrpSpPr/>
+        <p:nvPr/>
+      </p:nvGrpSpPr>
+      <p:grpSpPr>
+        <a:xfrm>
+          <a:off x="0" y="0"/>
+          <a:ext cx="0" cy="0"/>
+          <a:chOff x="0" y="0"/>
+          <a:chExt cx="0" cy="0"/>
+        </a:xfrm>
+      </p:grpSpPr>
+      <p:sp>
+        <p:nvSpPr>
+          <p:cNvPr id="2" name="文本占位符 1">
+            <a:extLst>
+              <a:ext uri="{FF2B5EF4-FFF2-40B4-BE49-F238E27FC236}">
+                <a16:creationId xmlns:a16="http://schemas.microsoft.com/office/drawing/2014/main" id="{CE7D6A48-068B-408E-A12E-5A7F00A9F6BA}"/>
+              </a:ext>
+            </a:extLst>
+          </p:cNvPr>
+          <p:cNvSpPr>
+            <a:spLocks noGrp="1"/>
+          </p:cNvSpPr>
+          <p:nvPr>
+            <p:ph type="body" sz="quarter" idx="11"/>
+          </p:nvPr>
+        </p:nvSpPr>
+        <p:spPr/>
+        <p:txBody>
+          <a:bodyPr/>
+          <a:lstStyle/>
+          <a:p>
+            <a:r>
+              <a:rPr lang="zh-CN" altLang="en-US" dirty="0"/>
+              <a:t>身份认证</a:t>
+            </a:r>
+          </a:p>
+        </p:txBody>
+      </p:sp>
+      <p:sp>
+        <p:nvSpPr>
+          <p:cNvPr id="3" name="文本占位符 2">
+            <a:extLst>
+              <a:ext uri="{FF2B5EF4-FFF2-40B4-BE49-F238E27FC236}">
+                <a16:creationId xmlns:a16="http://schemas.microsoft.com/office/drawing/2014/main" id="{80CF338D-778C-420A-9844-7F744AADE1D6}"/>
+              </a:ext>
+            </a:extLst>
+          </p:cNvPr>
+          <p:cNvSpPr>
+            <a:spLocks noGrp="1"/>
+          </p:cNvSpPr>
+          <p:nvPr>
+            <p:ph type="body" sz="quarter" idx="12"/>
+          </p:nvPr>
+        </p:nvSpPr>
+        <p:spPr/>
+        <p:txBody>
+          <a:bodyPr/>
+          <a:lstStyle/>
+          <a:p>
+            <a:endParaRPr lang="zh-CN" altLang="en-US"/>
+          </a:p>
+        </p:txBody>
+      </p:sp>
+      <p:sp>
+        <p:nvSpPr>
+          <p:cNvPr id="4" name="文本占位符 3">
+            <a:extLst>
+              <a:ext uri="{FF2B5EF4-FFF2-40B4-BE49-F238E27FC236}">
+                <a16:creationId xmlns:a16="http://schemas.microsoft.com/office/drawing/2014/main" id="{4BCC6DAA-0439-4B3A-B9A4-689B02C36F37}"/>
+              </a:ext>
+            </a:extLst>
+          </p:cNvPr>
+          <p:cNvSpPr>
+            <a:spLocks noGrp="1"/>
+          </p:cNvSpPr>
+          <p:nvPr>
+            <p:ph type="body" sz="quarter" idx="13"/>
+          </p:nvPr>
+        </p:nvSpPr>
+        <p:spPr/>
+        <p:txBody>
+          <a:bodyPr/>
+          <a:lstStyle/>
+          <a:p>
+            <a:endParaRPr lang="zh-CN" altLang="en-US"/>
+          </a:p>
+        </p:txBody>
+      </p:sp>
+      <p:sp>
+        <p:nvSpPr>
+          <p:cNvPr id="5" name="文本占位符 4">
+            <a:extLst>
+              <a:ext uri="{FF2B5EF4-FFF2-40B4-BE49-F238E27FC236}">
+                <a16:creationId xmlns:a16="http://schemas.microsoft.com/office/drawing/2014/main" id="{A81F8404-6D6A-478D-B0AC-DDB0979BACD0}"/>
+              </a:ext>
+            </a:extLst>
+          </p:cNvPr>
+          <p:cNvSpPr>
+            <a:spLocks noGrp="1"/>
+          </p:cNvSpPr>
+          <p:nvPr>
+            <p:ph type="body" sz="quarter" idx="14"/>
+          </p:nvPr>
+        </p:nvSpPr>
+        <p:spPr/>
+        <p:txBody>
+          <a:bodyPr/>
+          <a:lstStyle/>
+          <a:p>
+            <a:r>
+              <a:rPr lang="zh-CN" altLang="en-US" dirty="0"/>
+              <a:t>设备认证</a:t>
+            </a:r>
+            <a:endParaRPr lang="en-US" altLang="zh-CN" dirty="0"/>
+          </a:p>
+          <a:p>
+            <a:r>
+              <a:rPr lang="en-US" altLang="zh-CN" dirty="0"/>
+              <a:t>Server-client </a:t>
+            </a:r>
+            <a:r>
+              <a:rPr lang="zh-CN" altLang="en-US" dirty="0"/>
+              <a:t>认证模式</a:t>
+            </a:r>
+            <a:endParaRPr lang="en-US" altLang="zh-CN" dirty="0"/>
+          </a:p>
+          <a:p>
+            <a:r>
+              <a:rPr lang="zh-CN" altLang="en-US" dirty="0"/>
+              <a:t>人工智能认证</a:t>
+            </a:r>
+          </a:p>
+        </p:txBody>
+      </p:sp>
+    </p:spTree>
+    <p:extLst>
+      <p:ext uri="{BB962C8B-B14F-4D97-AF65-F5344CB8AC3E}">
+        <p14:creationId xmlns:p14="http://schemas.microsoft.com/office/powerpoint/2010/main" val="1550879579"/>
+      </p:ext>
+    </p:extLst>
+  </p:cSld>
+  <p:clrMapOvr>
+    <a:masterClrMapping/>
+  </p:clrMapOvr>
+</p:sld>
+</file>
+
+<file path=ppt/slides/slide5.xml><?xml version="1.0" encoding="utf-8"?>
+<p:sld xmlns:a="http://schemas.openxmlformats.org/drawingml/2006/main" xmlns:r="http://schemas.openxmlformats.org/officeDocument/2006/relationships" xmlns:p="http://schemas.openxmlformats.org/presentationml/2006/main">
+  <p:cSld>
+    <p:spTree>
+      <p:nvGrpSpPr>
+        <p:cNvPr id="1" name=""/>
+        <p:cNvGrpSpPr/>
+        <p:nvPr/>
+      </p:nvGrpSpPr>
+      <p:grpSpPr>
+        <a:xfrm>
+          <a:off x="0" y="0"/>
+          <a:ext cx="0" cy="0"/>
+          <a:chOff x="0" y="0"/>
+          <a:chExt cx="0" cy="0"/>
+        </a:xfrm>
+      </p:grpSpPr>
+      <p:sp>
+        <p:nvSpPr>
+          <p:cNvPr id="2" name="文本占位符 1">
+            <a:extLst>
+              <a:ext uri="{FF2B5EF4-FFF2-40B4-BE49-F238E27FC236}">
+                <a16:creationId xmlns:a16="http://schemas.microsoft.com/office/drawing/2014/main" id="{03193FCF-1611-42D2-9FBA-EDCA3DC0A722}"/>
+              </a:ext>
+            </a:extLst>
+          </p:cNvPr>
+          <p:cNvSpPr>
+            <a:spLocks noGrp="1"/>
+          </p:cNvSpPr>
+          <p:nvPr>
+            <p:ph type="body" sz="quarter" idx="11"/>
+          </p:nvPr>
+        </p:nvSpPr>
+        <p:spPr/>
+        <p:txBody>
+          <a:bodyPr/>
+          <a:lstStyle/>
+          <a:p>
+            <a:r>
+              <a:rPr lang="zh-CN" altLang="en-US" dirty="0"/>
+              <a:t>计算认证</a:t>
+            </a:r>
+          </a:p>
+        </p:txBody>
+      </p:sp>
+      <p:sp>
+        <p:nvSpPr>
+          <p:cNvPr id="3" name="文本占位符 2">
+            <a:extLst>
+              <a:ext uri="{FF2B5EF4-FFF2-40B4-BE49-F238E27FC236}">
+                <a16:creationId xmlns:a16="http://schemas.microsoft.com/office/drawing/2014/main" id="{64CF57DA-3403-4355-8897-0EC94EC1EF92}"/>
+              </a:ext>
+            </a:extLst>
+          </p:cNvPr>
+          <p:cNvSpPr>
+            <a:spLocks noGrp="1"/>
+          </p:cNvSpPr>
+          <p:nvPr>
+            <p:ph type="body" sz="quarter" idx="12"/>
+          </p:nvPr>
+        </p:nvSpPr>
+        <p:spPr/>
+        <p:txBody>
+          <a:bodyPr/>
+          <a:lstStyle/>
+          <a:p>
+            <a:endParaRPr lang="zh-CN" altLang="en-US"/>
+          </a:p>
+        </p:txBody>
+      </p:sp>
+      <p:sp>
+        <p:nvSpPr>
+          <p:cNvPr id="4" name="文本占位符 3">
+            <a:extLst>
+              <a:ext uri="{FF2B5EF4-FFF2-40B4-BE49-F238E27FC236}">
+                <a16:creationId xmlns:a16="http://schemas.microsoft.com/office/drawing/2014/main" id="{733FCA4F-C1C9-436C-809D-8C346AF7A624}"/>
+              </a:ext>
+            </a:extLst>
+          </p:cNvPr>
+          <p:cNvSpPr>
+            <a:spLocks noGrp="1"/>
+          </p:cNvSpPr>
+          <p:nvPr>
+            <p:ph type="body" sz="quarter" idx="13"/>
+          </p:nvPr>
+        </p:nvSpPr>
+        <p:spPr/>
+        <p:txBody>
+          <a:bodyPr/>
+          <a:lstStyle/>
+          <a:p>
+            <a:endParaRPr lang="zh-CN" altLang="en-US"/>
+          </a:p>
+        </p:txBody>
+      </p:sp>
+      <p:sp>
+        <p:nvSpPr>
+          <p:cNvPr id="5" name="文本占位符 4">
+            <a:extLst>
+              <a:ext uri="{FF2B5EF4-FFF2-40B4-BE49-F238E27FC236}">
+                <a16:creationId xmlns:a16="http://schemas.microsoft.com/office/drawing/2014/main" id="{08830ED4-0B20-482D-B30C-45C19C4021AD}"/>
+              </a:ext>
+            </a:extLst>
+          </p:cNvPr>
+          <p:cNvSpPr>
+            <a:spLocks noGrp="1"/>
+          </p:cNvSpPr>
+          <p:nvPr>
+            <p:ph type="body" sz="quarter" idx="14"/>
+          </p:nvPr>
+        </p:nvSpPr>
+        <p:spPr/>
+        <p:txBody>
+          <a:bodyPr/>
+          <a:lstStyle/>
+          <a:p>
+            <a:r>
+              <a:rPr lang="zh-CN" altLang="en-US" dirty="0"/>
+              <a:t>智能合约</a:t>
+            </a:r>
+            <a:endParaRPr lang="en-US" altLang="zh-CN" dirty="0"/>
+          </a:p>
+          <a:p>
+            <a:r>
+              <a:rPr lang="zh-CN" altLang="en-US" dirty="0"/>
+              <a:t>零知识证明</a:t>
+            </a:r>
+            <a:endParaRPr lang="en-US" altLang="zh-CN" dirty="0"/>
+          </a:p>
+          <a:p>
+            <a:r>
+              <a:rPr lang="en-US" altLang="zh-CN" dirty="0"/>
+              <a:t>Verifiable</a:t>
+            </a:r>
+            <a:r>
+              <a:rPr lang="zh-CN" altLang="en-US" dirty="0"/>
+              <a:t> </a:t>
+            </a:r>
+            <a:r>
+              <a:rPr lang="en-US" altLang="zh-CN" dirty="0"/>
+              <a:t>Delay</a:t>
+            </a:r>
+            <a:r>
+              <a:rPr lang="zh-CN" altLang="en-US" dirty="0"/>
+              <a:t> </a:t>
+            </a:r>
+            <a:r>
+              <a:rPr lang="en-US" altLang="zh-CN" dirty="0"/>
+              <a:t>Function</a:t>
+            </a:r>
+            <a:endParaRPr lang="zh-CN" altLang="en-US" dirty="0"/>
+          </a:p>
+        </p:txBody>
+      </p:sp>
+    </p:spTree>
+    <p:extLst>
+      <p:ext uri="{BB962C8B-B14F-4D97-AF65-F5344CB8AC3E}">
+        <p14:creationId xmlns:p14="http://schemas.microsoft.com/office/powerpoint/2010/main" val="4133843012"/>
+      </p:ext>
+    </p:extLst>
+  </p:cSld>
+  <p:clrMapOvr>
+    <a:masterClrMapping/>
+  </p:clrMapOvr>
+</p:sld>
+</file>
+
+<file path=ppt/slides/slide6.xml><?xml version="1.0" encoding="utf-8"?>
+<p:sld xmlns:a="http://schemas.openxmlformats.org/drawingml/2006/main" xmlns:r="http://schemas.openxmlformats.org/officeDocument/2006/relationships" xmlns:p="http://schemas.openxmlformats.org/presentationml/2006/main">
+  <p:cSld>
+    <p:spTree>
+      <p:nvGrpSpPr>
+        <p:cNvPr id="1" name=""/>
+        <p:cNvGrpSpPr/>
+        <p:nvPr/>
+      </p:nvGrpSpPr>
+      <p:grpSpPr>
+        <a:xfrm>
+          <a:off x="0" y="0"/>
+          <a:ext cx="0" cy="0"/>
+          <a:chOff x="0" y="0"/>
+          <a:chExt cx="0" cy="0"/>
+        </a:xfrm>
+      </p:grpSpPr>
+      <p:sp>
+        <p:nvSpPr>
+          <p:cNvPr id="2" name="文本占位符 1">
+            <a:extLst>
+              <a:ext uri="{FF2B5EF4-FFF2-40B4-BE49-F238E27FC236}">
+                <a16:creationId xmlns:a16="http://schemas.microsoft.com/office/drawing/2014/main" id="{23860182-57CF-40AA-921C-CC2606A71802}"/>
+              </a:ext>
+            </a:extLst>
+          </p:cNvPr>
+          <p:cNvSpPr>
+            <a:spLocks noGrp="1"/>
+          </p:cNvSpPr>
+          <p:nvPr>
+            <p:ph type="body" sz="quarter" idx="11"/>
+          </p:nvPr>
+        </p:nvSpPr>
+        <p:spPr/>
+        <p:txBody>
+          <a:bodyPr/>
+          <a:lstStyle/>
+          <a:p>
+            <a:r>
+              <a:rPr lang="zh-CN" altLang="en-US" dirty="0"/>
+              <a:t>区块链中的认证</a:t>
+            </a:r>
+          </a:p>
+        </p:txBody>
+      </p:sp>
+      <p:sp>
+        <p:nvSpPr>
+          <p:cNvPr id="3" name="文本占位符 2">
+            <a:extLst>
+              <a:ext uri="{FF2B5EF4-FFF2-40B4-BE49-F238E27FC236}">
+                <a16:creationId xmlns:a16="http://schemas.microsoft.com/office/drawing/2014/main" id="{448CCF76-03C3-4EAF-A3BE-10D3E5882042}"/>
+              </a:ext>
+            </a:extLst>
+          </p:cNvPr>
+          <p:cNvSpPr>
+            <a:spLocks noGrp="1"/>
+          </p:cNvSpPr>
+          <p:nvPr>
+            <p:ph type="body" sz="quarter" idx="12"/>
+          </p:nvPr>
+        </p:nvSpPr>
+        <p:spPr/>
+        <p:txBody>
+          <a:bodyPr/>
+          <a:lstStyle/>
+          <a:p>
+            <a:endParaRPr lang="zh-CN" altLang="en-US"/>
+          </a:p>
+        </p:txBody>
+      </p:sp>
+      <p:sp>
+        <p:nvSpPr>
+          <p:cNvPr id="4" name="文本占位符 3">
+            <a:extLst>
+              <a:ext uri="{FF2B5EF4-FFF2-40B4-BE49-F238E27FC236}">
+                <a16:creationId xmlns:a16="http://schemas.microsoft.com/office/drawing/2014/main" id="{6ED81E90-2071-4191-A7E2-AB819948CA66}"/>
+              </a:ext>
+            </a:extLst>
+          </p:cNvPr>
+          <p:cNvSpPr>
+            <a:spLocks noGrp="1"/>
+          </p:cNvSpPr>
+          <p:nvPr>
+            <p:ph type="body" sz="quarter" idx="13"/>
+          </p:nvPr>
+        </p:nvSpPr>
+        <p:spPr/>
+        <p:txBody>
+          <a:bodyPr/>
+          <a:lstStyle/>
+          <a:p>
+            <a:endParaRPr lang="zh-CN" altLang="en-US"/>
+          </a:p>
+        </p:txBody>
+      </p:sp>
+      <p:sp>
+        <p:nvSpPr>
+          <p:cNvPr id="5" name="文本占位符 4">
+            <a:extLst>
+              <a:ext uri="{FF2B5EF4-FFF2-40B4-BE49-F238E27FC236}">
+                <a16:creationId xmlns:a16="http://schemas.microsoft.com/office/drawing/2014/main" id="{DC91148A-986F-4EC7-9263-32C783CD62D9}"/>
+              </a:ext>
+            </a:extLst>
+          </p:cNvPr>
+          <p:cNvSpPr>
+            <a:spLocks noGrp="1"/>
+          </p:cNvSpPr>
+          <p:nvPr>
+            <p:ph type="body" sz="quarter" idx="14"/>
+          </p:nvPr>
+        </p:nvSpPr>
+        <p:spPr/>
+        <p:txBody>
+          <a:bodyPr/>
+          <a:lstStyle/>
+          <a:p>
+            <a:endParaRPr lang="zh-CN" altLang="en-US" dirty="0"/>
+          </a:p>
+        </p:txBody>
+      </p:sp>
+    </p:spTree>
+    <p:extLst>
+      <p:ext uri="{BB962C8B-B14F-4D97-AF65-F5344CB8AC3E}">
+        <p14:creationId xmlns:p14="http://schemas.microsoft.com/office/powerpoint/2010/main" val="2323519951"/>
+      </p:ext>
+    </p:extLst>
+  </p:cSld>
+  <p:clrMapOvr>
+    <a:masterClrMapping/>
+  </p:clrMapOvr>
+</p:sld>
+</file>
+
+<file path=ppt/slides/slide7.xml><?xml version="1.0" encoding="utf-8"?>
 <p:sld xmlns:a="http://schemas.openxmlformats.org/drawingml/2006/main" xmlns:r="http://schemas.openxmlformats.org/officeDocument/2006/relationships" xmlns:p="http://schemas.openxmlformats.org/presentationml/2006/main">
   <p:cSld>
     <p:spTree>
